--- a/преза на 10-16-24.pptx
+++ b/преза на 10-16-24.pptx
@@ -219,7 +219,7 @@
           <a:p>
             <a:fld id="{22D4DE14-6861-4533-9F6D-2CE5768575B8}" type="datetimeFigureOut">
               <a:rPr lang="ru-RU" smtClean="0"/>
-              <a:t>15.10.2024</a:t>
+              <a:t>03.12.2024</a:t>
             </a:fld>
             <a:endParaRPr lang="ru-RU"/>
           </a:p>
@@ -1253,7 +1253,7 @@
           <a:p>
             <a:fld id="{9CE3DC5D-F7FF-446F-8247-810E38C6B1E6}" type="datetimeFigureOut">
               <a:rPr lang="ru-RU" smtClean="0"/>
-              <a:t>15.10.2024</a:t>
+              <a:t>03.12.2024</a:t>
             </a:fld>
             <a:endParaRPr lang="ru-RU"/>
           </a:p>
@@ -1423,7 +1423,7 @@
           <a:p>
             <a:fld id="{9CE3DC5D-F7FF-446F-8247-810E38C6B1E6}" type="datetimeFigureOut">
               <a:rPr lang="ru-RU" smtClean="0"/>
-              <a:t>15.10.2024</a:t>
+              <a:t>03.12.2024</a:t>
             </a:fld>
             <a:endParaRPr lang="ru-RU"/>
           </a:p>
@@ -1603,7 +1603,7 @@
           <a:p>
             <a:fld id="{9CE3DC5D-F7FF-446F-8247-810E38C6B1E6}" type="datetimeFigureOut">
               <a:rPr lang="ru-RU" smtClean="0"/>
-              <a:t>15.10.2024</a:t>
+              <a:t>03.12.2024</a:t>
             </a:fld>
             <a:endParaRPr lang="ru-RU"/>
           </a:p>
@@ -1773,7 +1773,7 @@
           <a:p>
             <a:fld id="{9CE3DC5D-F7FF-446F-8247-810E38C6B1E6}" type="datetimeFigureOut">
               <a:rPr lang="ru-RU" smtClean="0"/>
-              <a:t>15.10.2024</a:t>
+              <a:t>03.12.2024</a:t>
             </a:fld>
             <a:endParaRPr lang="ru-RU"/>
           </a:p>
@@ -2019,7 +2019,7 @@
           <a:p>
             <a:fld id="{9CE3DC5D-F7FF-446F-8247-810E38C6B1E6}" type="datetimeFigureOut">
               <a:rPr lang="ru-RU" smtClean="0"/>
-              <a:t>15.10.2024</a:t>
+              <a:t>03.12.2024</a:t>
             </a:fld>
             <a:endParaRPr lang="ru-RU"/>
           </a:p>
@@ -2251,7 +2251,7 @@
           <a:p>
             <a:fld id="{9CE3DC5D-F7FF-446F-8247-810E38C6B1E6}" type="datetimeFigureOut">
               <a:rPr lang="ru-RU" smtClean="0"/>
-              <a:t>15.10.2024</a:t>
+              <a:t>03.12.2024</a:t>
             </a:fld>
             <a:endParaRPr lang="ru-RU"/>
           </a:p>
@@ -2618,7 +2618,7 @@
           <a:p>
             <a:fld id="{9CE3DC5D-F7FF-446F-8247-810E38C6B1E6}" type="datetimeFigureOut">
               <a:rPr lang="ru-RU" smtClean="0"/>
-              <a:t>15.10.2024</a:t>
+              <a:t>03.12.2024</a:t>
             </a:fld>
             <a:endParaRPr lang="ru-RU"/>
           </a:p>
@@ -2736,7 +2736,7 @@
           <a:p>
             <a:fld id="{9CE3DC5D-F7FF-446F-8247-810E38C6B1E6}" type="datetimeFigureOut">
               <a:rPr lang="ru-RU" smtClean="0"/>
-              <a:t>15.10.2024</a:t>
+              <a:t>03.12.2024</a:t>
             </a:fld>
             <a:endParaRPr lang="ru-RU"/>
           </a:p>
@@ -2831,7 +2831,7 @@
           <a:p>
             <a:fld id="{9CE3DC5D-F7FF-446F-8247-810E38C6B1E6}" type="datetimeFigureOut">
               <a:rPr lang="ru-RU" smtClean="0"/>
-              <a:t>15.10.2024</a:t>
+              <a:t>03.12.2024</a:t>
             </a:fld>
             <a:endParaRPr lang="ru-RU"/>
           </a:p>
@@ -3108,7 +3108,7 @@
           <a:p>
             <a:fld id="{9CE3DC5D-F7FF-446F-8247-810E38C6B1E6}" type="datetimeFigureOut">
               <a:rPr lang="ru-RU" smtClean="0"/>
-              <a:t>15.10.2024</a:t>
+              <a:t>03.12.2024</a:t>
             </a:fld>
             <a:endParaRPr lang="ru-RU"/>
           </a:p>
@@ -3361,7 +3361,7 @@
           <a:p>
             <a:fld id="{9CE3DC5D-F7FF-446F-8247-810E38C6B1E6}" type="datetimeFigureOut">
               <a:rPr lang="ru-RU" smtClean="0"/>
-              <a:t>15.10.2024</a:t>
+              <a:t>03.12.2024</a:t>
             </a:fld>
             <a:endParaRPr lang="ru-RU"/>
           </a:p>
@@ -3574,7 +3574,7 @@
           <a:p>
             <a:fld id="{9CE3DC5D-F7FF-446F-8247-810E38C6B1E6}" type="datetimeFigureOut">
               <a:rPr lang="ru-RU" smtClean="0"/>
-              <a:t>15.10.2024</a:t>
+              <a:t>03.12.2024</a:t>
             </a:fld>
             <a:endParaRPr lang="ru-RU"/>
           </a:p>
@@ -5992,21 +5992,7 @@
                 <a:latin typeface="Times New Roman" panose="02020603050405020304" pitchFamily="18" charset="0"/>
                 <a:cs typeface="Times New Roman" panose="02020603050405020304" pitchFamily="18" charset="0"/>
               </a:rPr>
-              <a:t>Стек – это в</a:t>
-            </a:r>
-            <a:r>
-              <a:rPr lang="ru-RU" sz="9600" dirty="0" smtClean="0">
-                <a:effectLst>
-                  <a:outerShdw blurRad="38100" dist="38100" dir="2700000" algn="tl">
-                    <a:srgbClr val="000000">
-                      <a:alpha val="43137"/>
-                    </a:srgbClr>
-                  </a:outerShdw>
-                </a:effectLst>
-                <a:latin typeface="Times New Roman" panose="02020603050405020304" pitchFamily="18" charset="0"/>
-                <a:cs typeface="Times New Roman" panose="02020603050405020304" pitchFamily="18" charset="0"/>
-              </a:rPr>
-              <a:t>ажно</a:t>
+              <a:t>Стек – это важно</a:t>
             </a:r>
             <a:endParaRPr lang="ru-RU" sz="7200" dirty="0">
               <a:effectLst>
@@ -7436,10 +7422,6 @@
               </a:rPr>
               <a:t>охватывает всё, что пользователи могут видеть на экране.</a:t>
             </a:r>
-            <a:endParaRPr lang="ru-RU" sz="2200" dirty="0">
-              <a:latin typeface="Times New Roman" panose="02020603050405020304" pitchFamily="18" charset="0"/>
-              <a:cs typeface="Times New Roman" panose="02020603050405020304" pitchFamily="18" charset="0"/>
-            </a:endParaRPr>
           </a:p>
         </p:txBody>
       </p:sp>
@@ -7523,13 +7505,6 @@
               </a:rPr>
               <a:t>готовит данные для клиентской части.</a:t>
             </a:r>
-            <a:endParaRPr lang="ru-RU" sz="2200" dirty="0">
-              <a:solidFill>
-                <a:schemeClr val="bg1"/>
-              </a:solidFill>
-              <a:latin typeface="Times New Roman" panose="02020603050405020304" pitchFamily="18" charset="0"/>
-              <a:cs typeface="Times New Roman" panose="02020603050405020304" pitchFamily="18" charset="0"/>
-            </a:endParaRPr>
           </a:p>
         </p:txBody>
       </p:sp>
